--- a/Session_1_ML_DL_intro_python_MT2024.pptx
+++ b/Session_1_ML_DL_intro_python_MT2024.pptx
@@ -184,6 +184,58 @@
 </p:presentation>
 </file>
 
+<file path=ppt/revisionInfo.xml><?xml version="1.0" encoding="utf-8"?>
+<p1510:revInfo xmlns:a="http://schemas.openxmlformats.org/drawingml/2006/main" xmlns:r="http://schemas.openxmlformats.org/officeDocument/2006/relationships" xmlns:p1510="http://schemas.microsoft.com/office/powerpoint/2015/10/main">
+  <p1510:revLst>
+    <p1510:client id="{9777C8BC-A49C-E84C-A043-5A3CEF9493FC}" v="1" dt="2024-12-02T09:48:31.797"/>
+  </p1510:revLst>
+</p1510:revInfo>
+</file>
+
+<file path=ppt/changesInfos/changesInfo1.xml><?xml version="1.0" encoding="utf-8"?>
+<pc:chgInfo xmlns:a="http://schemas.openxmlformats.org/drawingml/2006/main" xmlns:r="http://schemas.openxmlformats.org/officeDocument/2006/relationships" xmlns:ac="http://schemas.microsoft.com/office/drawing/2013/main/command" xmlns:pc="http://schemas.microsoft.com/office/powerpoint/2013/main/command">
+  <pc:docChgLst>
+    <pc:chgData name="Srinivasa Rao" userId="a6b54366-f13d-4292-8bb4-f06c50909b1e" providerId="ADAL" clId="{9777C8BC-A49C-E84C-A043-5A3CEF9493FC}"/>
+    <pc:docChg chg="modSld">
+      <pc:chgData name="Srinivasa Rao" userId="a6b54366-f13d-4292-8bb4-f06c50909b1e" providerId="ADAL" clId="{9777C8BC-A49C-E84C-A043-5A3CEF9493FC}" dt="2024-12-02T09:48:45.238" v="6" actId="20577"/>
+      <pc:docMkLst>
+        <pc:docMk/>
+      </pc:docMkLst>
+      <pc:sldChg chg="modSp mod">
+        <pc:chgData name="Srinivasa Rao" userId="a6b54366-f13d-4292-8bb4-f06c50909b1e" providerId="ADAL" clId="{9777C8BC-A49C-E84C-A043-5A3CEF9493FC}" dt="2024-12-02T09:48:45.238" v="6" actId="20577"/>
+        <pc:sldMkLst>
+          <pc:docMk/>
+          <pc:sldMk cId="1548177935" sldId="258"/>
+        </pc:sldMkLst>
+        <pc:spChg chg="mod">
+          <ac:chgData name="Srinivasa Rao" userId="a6b54366-f13d-4292-8bb4-f06c50909b1e" providerId="ADAL" clId="{9777C8BC-A49C-E84C-A043-5A3CEF9493FC}" dt="2024-12-02T09:48:45.238" v="6" actId="20577"/>
+          <ac:spMkLst>
+            <pc:docMk/>
+            <pc:sldMk cId="1548177935" sldId="258"/>
+            <ac:spMk id="2" creationId="{00000000-0000-0000-0000-000000000000}"/>
+          </ac:spMkLst>
+        </pc:spChg>
+      </pc:sldChg>
+      <pc:sldChg chg="modSp mod">
+        <pc:chgData name="Srinivasa Rao" userId="a6b54366-f13d-4292-8bb4-f06c50909b1e" providerId="ADAL" clId="{9777C8BC-A49C-E84C-A043-5A3CEF9493FC}" dt="2024-12-02T09:48:35.560" v="2" actId="14100"/>
+        <pc:sldMkLst>
+          <pc:docMk/>
+          <pc:sldMk cId="2838324276" sldId="263"/>
+        </pc:sldMkLst>
+        <pc:spChg chg="mod">
+          <ac:chgData name="Srinivasa Rao" userId="a6b54366-f13d-4292-8bb4-f06c50909b1e" providerId="ADAL" clId="{9777C8BC-A49C-E84C-A043-5A3CEF9493FC}" dt="2024-12-02T09:48:35.560" v="2" actId="14100"/>
+          <ac:spMkLst>
+            <pc:docMk/>
+            <pc:sldMk cId="2838324276" sldId="263"/>
+            <ac:spMk id="6" creationId="{00000000-0000-0000-0000-000000000000}"/>
+          </ac:spMkLst>
+        </pc:spChg>
+      </pc:sldChg>
+    </pc:docChg>
+  </pc:docChgLst>
+</pc:chgInfo>
+</file>
+
 <file path=ppt/handoutMasters/handoutMaster1.xml><?xml version="1.0" encoding="utf-8"?>
 <p:handoutMaster xmlns:a="http://schemas.openxmlformats.org/drawingml/2006/main" xmlns:r="http://schemas.openxmlformats.org/officeDocument/2006/relationships" xmlns:p="http://schemas.openxmlformats.org/presentationml/2006/main">
   <p:cSld>
@@ -266,7 +318,7 @@
           <a:p>
             <a:fld id="{6984DE07-92F2-2343-975E-01B2B60DD88E}" type="datetimeFigureOut">
               <a:rPr lang="en-US" smtClean="0"/>
-              <a:t>10/30/24</a:t>
+              <a:t>12/2/24</a:t>
             </a:fld>
             <a:endParaRPr lang="en-US"/>
           </a:p>
@@ -432,7 +484,7 @@
           <a:p>
             <a:fld id="{A01ED2CA-7419-5A44-8670-92F855D272C3}" type="datetimeFigureOut">
               <a:rPr lang="en-US" smtClean="0"/>
-              <a:t>10/30/24</a:t>
+              <a:t>12/2/24</a:t>
             </a:fld>
             <a:endParaRPr lang="en-US"/>
           </a:p>
@@ -3833,8 +3885,8 @@
           <a:lstStyle/>
           <a:p>
             <a:r>
-              <a:rPr lang="en-GB" sz="3200" dirty="0"/>
-              <a:t>04/11/2024</a:t>
+              <a:rPr lang="en-GB" sz="3200"/>
+              <a:t>02/12/2024</a:t>
             </a:r>
             <a:endParaRPr lang="en-US" sz="3200" dirty="0"/>
           </a:p>
@@ -7693,7 +7745,7 @@
         <p:spPr>
           <a:xfrm>
             <a:off x="1269935" y="1826664"/>
-            <a:ext cx="6518990" cy="3785652"/>
+            <a:ext cx="6947790" cy="3785652"/>
           </a:xfrm>
           <a:prstGeom prst="rect">
             <a:avLst/>
@@ -7780,18 +7832,12 @@
               <a:rPr lang="en-US" sz="2000" dirty="0">
                 <a:hlinkClick r:id="rId2"/>
               </a:rPr>
-              <a:t>https://github.com/sraorao/ML_DL_intro_python_MT2024</a:t>
-            </a:r>
-            <a:r>
-              <a:rPr lang="en-US" sz="2000" spc="-1" dirty="0">
-                <a:solidFill>
-                  <a:srgbClr val="000000"/>
-                </a:solidFill>
-                <a:latin typeface="Calibri"/>
-              </a:rPr>
+              <a:t>https://github.com/sraorao/ML_DL_intro_python_MT2024_2</a:t>
+            </a:r>
+            <a:r>
+              <a:rPr lang="en-US" sz="2000" dirty="0"/>
               <a:t> </a:t>
             </a:r>
-            <a:endParaRPr lang="en-US" sz="2000" dirty="0"/>
           </a:p>
         </p:txBody>
       </p:sp>
